--- a/2016305078_최영환_os_report_01.pptx
+++ b/2016305078_최영환_os_report_01.pptx
@@ -15,6 +15,7 @@
     <p:sldId id="281" r:id="rId9"/>
     <p:sldId id="282" r:id="rId10"/>
     <p:sldId id="277" r:id="rId11"/>
+    <p:sldId id="283" r:id="rId12"/>
   </p:sldIdLst>
   <p:sldSz cx="12192000" cy="6858000"/>
   <p:notesSz cx="6858000" cy="9945688"/>
@@ -279,7 +280,7 @@
           <a:p>
             <a:fld id="{54082352-7DFF-4D44-8BA6-497FDF5E0FF1}" type="datetimeFigureOut">
               <a:rPr lang="ko-KR" altLang="en-US" smtClean="0"/>
-              <a:t>2021-04-05</a:t>
+              <a:t>2021-05-02</a:t>
             </a:fld>
             <a:endParaRPr lang="ko-KR" altLang="en-US"/>
           </a:p>
@@ -538,7 +539,7 @@
             <a:fld id="{54082352-7DFF-4D44-8BA6-497FDF5E0FF1}" type="datetimeFigureOut">
               <a:rPr lang="ko-KR" altLang="en-US" smtClean="0"/>
               <a:pPr/>
-              <a:t>2021-04-05</a:t>
+              <a:t>2021-05-02</a:t>
             </a:fld>
             <a:endParaRPr lang="ko-KR" altLang="en-US"/>
           </a:p>
@@ -841,7 +842,7 @@
             <a:fld id="{54082352-7DFF-4D44-8BA6-497FDF5E0FF1}" type="datetimeFigureOut">
               <a:rPr lang="ko-KR" altLang="en-US" smtClean="0"/>
               <a:pPr/>
-              <a:t>2021-04-05</a:t>
+              <a:t>2021-05-02</a:t>
             </a:fld>
             <a:endParaRPr lang="ko-KR" altLang="en-US"/>
           </a:p>
@@ -1214,7 +1215,7 @@
             <a:fld id="{54082352-7DFF-4D44-8BA6-497FDF5E0FF1}" type="datetimeFigureOut">
               <a:rPr lang="ko-KR" altLang="en-US" smtClean="0"/>
               <a:pPr/>
-              <a:t>2021-04-05</a:t>
+              <a:t>2021-05-02</a:t>
             </a:fld>
             <a:endParaRPr lang="ko-KR" altLang="en-US"/>
           </a:p>
@@ -1396,7 +1397,7 @@
             <a:fld id="{54082352-7DFF-4D44-8BA6-497FDF5E0FF1}" type="datetimeFigureOut">
               <a:rPr lang="ko-KR" altLang="en-US" smtClean="0"/>
               <a:pPr/>
-              <a:t>2021-04-05</a:t>
+              <a:t>2021-05-02</a:t>
             </a:fld>
             <a:endParaRPr lang="ko-KR" altLang="en-US"/>
           </a:p>
@@ -1570,7 +1571,7 @@
             <a:fld id="{54082352-7DFF-4D44-8BA6-497FDF5E0FF1}" type="datetimeFigureOut">
               <a:rPr lang="ko-KR" altLang="en-US" smtClean="0"/>
               <a:pPr/>
-              <a:t>2021-04-05</a:t>
+              <a:t>2021-05-02</a:t>
             </a:fld>
             <a:endParaRPr lang="ko-KR" altLang="en-US"/>
           </a:p>
@@ -1717,7 +1718,7 @@
             <a:fld id="{54082352-7DFF-4D44-8BA6-497FDF5E0FF1}" type="datetimeFigureOut">
               <a:rPr lang="ko-KR" altLang="en-US" smtClean="0"/>
               <a:pPr/>
-              <a:t>2021-04-05</a:t>
+              <a:t>2021-05-02</a:t>
             </a:fld>
             <a:endParaRPr lang="ko-KR" altLang="en-US"/>
           </a:p>
@@ -1856,7 +1857,7 @@
             <a:fld id="{54082352-7DFF-4D44-8BA6-497FDF5E0FF1}" type="datetimeFigureOut">
               <a:rPr lang="ko-KR" altLang="en-US" smtClean="0"/>
               <a:pPr/>
-              <a:t>2021-04-05</a:t>
+              <a:t>2021-05-02</a:t>
             </a:fld>
             <a:endParaRPr lang="ko-KR" altLang="en-US"/>
           </a:p>
@@ -2099,7 +2100,7 @@
             <a:fld id="{54082352-7DFF-4D44-8BA6-497FDF5E0FF1}" type="datetimeFigureOut">
               <a:rPr lang="ko-KR" altLang="en-US" smtClean="0"/>
               <a:pPr/>
-              <a:t>2021-04-05</a:t>
+              <a:t>2021-05-02</a:t>
             </a:fld>
             <a:endParaRPr lang="ko-KR" altLang="en-US"/>
           </a:p>
@@ -2362,7 +2363,7 @@
             <a:fld id="{54082352-7DFF-4D44-8BA6-497FDF5E0FF1}" type="datetimeFigureOut">
               <a:rPr lang="ko-KR" altLang="en-US" smtClean="0"/>
               <a:pPr/>
-              <a:t>2021-04-05</a:t>
+              <a:t>2021-05-02</a:t>
             </a:fld>
             <a:endParaRPr lang="ko-KR" altLang="en-US"/>
           </a:p>
@@ -3088,6 +3089,1838 @@
     <p:extLst>
       <p:ext uri="{BB962C8B-B14F-4D97-AF65-F5344CB8AC3E}">
         <p14:creationId xmlns:p14="http://schemas.microsoft.com/office/powerpoint/2010/main" val="2160512632"/>
+      </p:ext>
+    </p:extLst>
+  </p:cSld>
+  <p:clrMapOvr>
+    <a:masterClrMapping/>
+  </p:clrMapOvr>
+</p:sld>
+</file>
+
+<file path=ppt/slides/slide11.xml><?xml version="1.0" encoding="utf-8"?>
+<p:sld xmlns:a="http://schemas.openxmlformats.org/drawingml/2006/main" xmlns:r="http://schemas.openxmlformats.org/officeDocument/2006/relationships" xmlns:p="http://schemas.openxmlformats.org/presentationml/2006/main">
+  <p:cSld>
+    <p:spTree>
+      <p:nvGrpSpPr>
+        <p:cNvPr id="1" name=""/>
+        <p:cNvGrpSpPr/>
+        <p:nvPr/>
+      </p:nvGrpSpPr>
+      <p:grpSpPr>
+        <a:xfrm>
+          <a:off x="0" y="0"/>
+          <a:ext cx="0" cy="0"/>
+          <a:chOff x="0" y="0"/>
+          <a:chExt cx="0" cy="0"/>
+        </a:xfrm>
+      </p:grpSpPr>
+      <p:sp>
+        <p:nvSpPr>
+          <p:cNvPr id="2" name="TextBox 1">
+            <a:extLst>
+              <a:ext uri="{FF2B5EF4-FFF2-40B4-BE49-F238E27FC236}">
+                <a16:creationId xmlns:a16="http://schemas.microsoft.com/office/drawing/2014/main" id="{34CB0CB5-C510-40A6-B089-AAAE16B13E05}"/>
+              </a:ext>
+            </a:extLst>
+          </p:cNvPr>
+          <p:cNvSpPr txBox="1"/>
+          <p:nvPr/>
+        </p:nvSpPr>
+        <p:spPr>
+          <a:xfrm>
+            <a:off x="899865" y="1692077"/>
+            <a:ext cx="2520280" cy="523220"/>
+          </a:xfrm>
+          <a:prstGeom prst="rect">
+            <a:avLst/>
+          </a:prstGeom>
+          <a:noFill/>
+          <a:ln>
+            <a:solidFill>
+              <a:schemeClr val="tx1"/>
+            </a:solidFill>
+          </a:ln>
+        </p:spPr>
+        <p:txBody>
+          <a:bodyPr wrap="square" rtlCol="0">
+            <a:spAutoFit/>
+          </a:bodyPr>
+          <a:lstStyle/>
+          <a:p>
+            <a:r>
+              <a:rPr lang="ko-KR" altLang="en-US" sz="1400" dirty="0"/>
+              <a:t>문자열 </a:t>
+            </a:r>
+            <a:r>
+              <a:rPr lang="en-US" altLang="ko-KR" sz="1400" dirty="0" err="1"/>
+              <a:t>OSClass</a:t>
+            </a:r>
+            <a:r>
+              <a:rPr lang="ko-KR" altLang="en-US" sz="1400" dirty="0"/>
+              <a:t> </a:t>
+            </a:r>
+            <a:r>
+              <a:rPr lang="ko-KR" altLang="en-US" sz="1400" dirty="0" err="1"/>
+              <a:t>쓰레드</a:t>
+            </a:r>
+            <a:r>
+              <a:rPr lang="ko-KR" altLang="en-US" sz="1400" dirty="0"/>
+              <a:t> 생성</a:t>
+            </a:r>
+            <a:r>
+              <a:rPr lang="en-US" altLang="ko-KR" sz="1400" dirty="0"/>
+              <a:t>.</a:t>
+            </a:r>
+          </a:p>
+          <a:p>
+            <a:r>
+              <a:rPr lang="en-US" altLang="ko-KR" sz="1400" dirty="0"/>
+              <a:t>(O,S</a:t>
+            </a:r>
+            <a:r>
+              <a:rPr lang="ko-KR" altLang="en-US" sz="1400" dirty="0"/>
+              <a:t>위치 담당</a:t>
+            </a:r>
+            <a:r>
+              <a:rPr lang="en-US" altLang="ko-KR" sz="1400" dirty="0"/>
+              <a:t>)</a:t>
+            </a:r>
+            <a:endParaRPr lang="ko-KR" altLang="en-US" sz="1400" dirty="0"/>
+          </a:p>
+        </p:txBody>
+      </p:sp>
+      <p:sp>
+        <p:nvSpPr>
+          <p:cNvPr id="3" name="TextBox 2">
+            <a:extLst>
+              <a:ext uri="{FF2B5EF4-FFF2-40B4-BE49-F238E27FC236}">
+                <a16:creationId xmlns:a16="http://schemas.microsoft.com/office/drawing/2014/main" id="{9BF35894-1C74-4250-BE21-10F8FC670D25}"/>
+              </a:ext>
+            </a:extLst>
+          </p:cNvPr>
+          <p:cNvSpPr txBox="1"/>
+          <p:nvPr/>
+        </p:nvSpPr>
+        <p:spPr>
+          <a:xfrm>
+            <a:off x="3852193" y="1692076"/>
+            <a:ext cx="2418903" cy="523220"/>
+          </a:xfrm>
+          <a:prstGeom prst="rect">
+            <a:avLst/>
+          </a:prstGeom>
+          <a:noFill/>
+          <a:ln>
+            <a:solidFill>
+              <a:schemeClr val="tx1"/>
+            </a:solidFill>
+          </a:ln>
+        </p:spPr>
+        <p:txBody>
+          <a:bodyPr wrap="square" rtlCol="0">
+            <a:spAutoFit/>
+          </a:bodyPr>
+          <a:lstStyle/>
+          <a:p>
+            <a:r>
+              <a:rPr lang="ko-KR" altLang="en-US" sz="1400" dirty="0"/>
+              <a:t>문자열 </a:t>
+            </a:r>
+            <a:r>
+              <a:rPr lang="en-US" altLang="ko-KR" sz="1400" dirty="0" err="1"/>
+              <a:t>SClass</a:t>
+            </a:r>
+            <a:r>
+              <a:rPr lang="ko-KR" altLang="en-US" sz="1400" dirty="0"/>
+              <a:t> </a:t>
+            </a:r>
+            <a:r>
+              <a:rPr lang="ko-KR" altLang="en-US" sz="1400" dirty="0" err="1"/>
+              <a:t>쓰레드</a:t>
+            </a:r>
+            <a:r>
+              <a:rPr lang="ko-KR" altLang="en-US" sz="1400" dirty="0"/>
+              <a:t> 생성</a:t>
+            </a:r>
+            <a:r>
+              <a:rPr lang="en-US" altLang="ko-KR" sz="1400" dirty="0"/>
+              <a:t>.</a:t>
+            </a:r>
+          </a:p>
+          <a:p>
+            <a:r>
+              <a:rPr lang="en-US" altLang="ko-KR" sz="1400" dirty="0"/>
+              <a:t>(S,C</a:t>
+            </a:r>
+            <a:r>
+              <a:rPr lang="ko-KR" altLang="en-US" sz="1400" dirty="0"/>
+              <a:t>위치 담당</a:t>
+            </a:r>
+            <a:r>
+              <a:rPr lang="en-US" altLang="ko-KR" sz="1400" dirty="0"/>
+              <a:t>)</a:t>
+            </a:r>
+            <a:endParaRPr lang="ko-KR" altLang="en-US" sz="1400" dirty="0"/>
+          </a:p>
+        </p:txBody>
+      </p:sp>
+      <p:sp>
+        <p:nvSpPr>
+          <p:cNvPr id="4" name="TextBox 3">
+            <a:extLst>
+              <a:ext uri="{FF2B5EF4-FFF2-40B4-BE49-F238E27FC236}">
+                <a16:creationId xmlns:a16="http://schemas.microsoft.com/office/drawing/2014/main" id="{EC7602FC-BC81-436E-921C-C13D6485E959}"/>
+              </a:ext>
+            </a:extLst>
+          </p:cNvPr>
+          <p:cNvSpPr txBox="1"/>
+          <p:nvPr/>
+        </p:nvSpPr>
+        <p:spPr>
+          <a:xfrm>
+            <a:off x="6588497" y="1665419"/>
+            <a:ext cx="2256689" cy="523220"/>
+          </a:xfrm>
+          <a:prstGeom prst="rect">
+            <a:avLst/>
+          </a:prstGeom>
+          <a:noFill/>
+          <a:ln>
+            <a:solidFill>
+              <a:schemeClr val="tx1"/>
+            </a:solidFill>
+          </a:ln>
+        </p:spPr>
+        <p:txBody>
+          <a:bodyPr wrap="square" rtlCol="0">
+            <a:spAutoFit/>
+          </a:bodyPr>
+          <a:lstStyle/>
+          <a:p>
+            <a:r>
+              <a:rPr lang="ko-KR" altLang="en-US" sz="1400" dirty="0"/>
+              <a:t>문자열 </a:t>
+            </a:r>
+            <a:r>
+              <a:rPr lang="en-US" altLang="ko-KR" sz="1400" dirty="0"/>
+              <a:t>Class</a:t>
+            </a:r>
+            <a:r>
+              <a:rPr lang="ko-KR" altLang="en-US" sz="1400" dirty="0"/>
+              <a:t> </a:t>
+            </a:r>
+            <a:r>
+              <a:rPr lang="ko-KR" altLang="en-US" sz="1400" dirty="0" err="1"/>
+              <a:t>쓰레드</a:t>
+            </a:r>
+            <a:r>
+              <a:rPr lang="ko-KR" altLang="en-US" sz="1400" dirty="0"/>
+              <a:t> 생성</a:t>
+            </a:r>
+            <a:r>
+              <a:rPr lang="en-US" altLang="ko-KR" sz="1400" dirty="0"/>
+              <a:t>.</a:t>
+            </a:r>
+          </a:p>
+          <a:p>
+            <a:r>
+              <a:rPr lang="en-US" altLang="ko-KR" sz="1400" dirty="0"/>
+              <a:t>(</a:t>
+            </a:r>
+            <a:r>
+              <a:rPr lang="en-US" altLang="ko-KR" sz="1400" dirty="0" err="1"/>
+              <a:t>C,l</a:t>
+            </a:r>
+            <a:r>
+              <a:rPr lang="ko-KR" altLang="en-US" sz="1400" dirty="0"/>
+              <a:t>위치 담당</a:t>
+            </a:r>
+            <a:r>
+              <a:rPr lang="en-US" altLang="ko-KR" sz="1400" dirty="0"/>
+              <a:t>)</a:t>
+            </a:r>
+            <a:endParaRPr lang="ko-KR" altLang="en-US" dirty="0"/>
+          </a:p>
+        </p:txBody>
+      </p:sp>
+      <p:sp>
+        <p:nvSpPr>
+          <p:cNvPr id="5" name="TextBox 4">
+            <a:extLst>
+              <a:ext uri="{FF2B5EF4-FFF2-40B4-BE49-F238E27FC236}">
+                <a16:creationId xmlns:a16="http://schemas.microsoft.com/office/drawing/2014/main" id="{7AB90085-951D-4C4E-949B-05C4678E60CF}"/>
+              </a:ext>
+            </a:extLst>
+          </p:cNvPr>
+          <p:cNvSpPr txBox="1"/>
+          <p:nvPr/>
+        </p:nvSpPr>
+        <p:spPr>
+          <a:xfrm>
+            <a:off x="6621281" y="2480319"/>
+            <a:ext cx="2234629" cy="523220"/>
+          </a:xfrm>
+          <a:prstGeom prst="rect">
+            <a:avLst/>
+          </a:prstGeom>
+          <a:noFill/>
+          <a:ln>
+            <a:solidFill>
+              <a:schemeClr val="tx1"/>
+            </a:solidFill>
+          </a:ln>
+        </p:spPr>
+        <p:txBody>
+          <a:bodyPr wrap="square" rtlCol="0">
+            <a:spAutoFit/>
+          </a:bodyPr>
+          <a:lstStyle/>
+          <a:p>
+            <a:r>
+              <a:rPr lang="ko-KR" altLang="en-US" sz="1400" dirty="0"/>
+              <a:t>문자열 </a:t>
+            </a:r>
+            <a:r>
+              <a:rPr lang="en-US" altLang="ko-KR" sz="1400" dirty="0"/>
+              <a:t>lass</a:t>
+            </a:r>
+            <a:r>
+              <a:rPr lang="ko-KR" altLang="en-US" sz="1400" dirty="0"/>
+              <a:t> </a:t>
+            </a:r>
+            <a:r>
+              <a:rPr lang="ko-KR" altLang="en-US" sz="1400" dirty="0" err="1"/>
+              <a:t>쓰레드</a:t>
+            </a:r>
+            <a:r>
+              <a:rPr lang="ko-KR" altLang="en-US" sz="1400" dirty="0"/>
+              <a:t> 생성</a:t>
+            </a:r>
+            <a:r>
+              <a:rPr lang="en-US" altLang="ko-KR" sz="1400" dirty="0"/>
+              <a:t>.</a:t>
+            </a:r>
+          </a:p>
+          <a:p>
+            <a:r>
+              <a:rPr lang="en-US" altLang="ko-KR" sz="1400" dirty="0"/>
+              <a:t>(</a:t>
+            </a:r>
+            <a:r>
+              <a:rPr lang="en-US" altLang="ko-KR" sz="1400" dirty="0" err="1"/>
+              <a:t>l,a</a:t>
+            </a:r>
+            <a:r>
+              <a:rPr lang="ko-KR" altLang="en-US" sz="1400" dirty="0"/>
+              <a:t>위치 담당</a:t>
+            </a:r>
+            <a:r>
+              <a:rPr lang="en-US" altLang="ko-KR" sz="1400" dirty="0"/>
+              <a:t>)</a:t>
+            </a:r>
+            <a:endParaRPr lang="ko-KR" altLang="en-US" sz="1400" dirty="0"/>
+          </a:p>
+        </p:txBody>
+      </p:sp>
+      <p:sp>
+        <p:nvSpPr>
+          <p:cNvPr id="6" name="TextBox 5">
+            <a:extLst>
+              <a:ext uri="{FF2B5EF4-FFF2-40B4-BE49-F238E27FC236}">
+                <a16:creationId xmlns:a16="http://schemas.microsoft.com/office/drawing/2014/main" id="{FC1748AE-A1B1-468B-BEEC-727EA91D8DD4}"/>
+              </a:ext>
+            </a:extLst>
+          </p:cNvPr>
+          <p:cNvSpPr txBox="1"/>
+          <p:nvPr/>
+        </p:nvSpPr>
+        <p:spPr>
+          <a:xfrm>
+            <a:off x="3852192" y="2488643"/>
+            <a:ext cx="2418903" cy="523220"/>
+          </a:xfrm>
+          <a:prstGeom prst="rect">
+            <a:avLst/>
+          </a:prstGeom>
+          <a:noFill/>
+          <a:ln>
+            <a:solidFill>
+              <a:schemeClr val="tx1"/>
+            </a:solidFill>
+          </a:ln>
+        </p:spPr>
+        <p:txBody>
+          <a:bodyPr wrap="square" rtlCol="0">
+            <a:spAutoFit/>
+          </a:bodyPr>
+          <a:lstStyle/>
+          <a:p>
+            <a:r>
+              <a:rPr lang="ko-KR" altLang="en-US" sz="1400" dirty="0"/>
+              <a:t>문자열 </a:t>
+            </a:r>
+            <a:r>
+              <a:rPr lang="en-US" altLang="ko-KR" sz="1400" dirty="0"/>
+              <a:t>ass</a:t>
+            </a:r>
+            <a:r>
+              <a:rPr lang="ko-KR" altLang="en-US" sz="1400" dirty="0"/>
+              <a:t> </a:t>
+            </a:r>
+            <a:r>
+              <a:rPr lang="ko-KR" altLang="en-US" sz="1400" dirty="0" err="1"/>
+              <a:t>쓰레드</a:t>
+            </a:r>
+            <a:r>
+              <a:rPr lang="ko-KR" altLang="en-US" sz="1400" dirty="0"/>
+              <a:t> 생성</a:t>
+            </a:r>
+            <a:r>
+              <a:rPr lang="en-US" altLang="ko-KR" sz="1400" dirty="0"/>
+              <a:t>.</a:t>
+            </a:r>
+          </a:p>
+          <a:p>
+            <a:r>
+              <a:rPr lang="en-US" altLang="ko-KR" sz="1400" dirty="0"/>
+              <a:t>(</a:t>
+            </a:r>
+            <a:r>
+              <a:rPr lang="en-US" altLang="ko-KR" sz="1400" dirty="0" err="1"/>
+              <a:t>a,s</a:t>
+            </a:r>
+            <a:r>
+              <a:rPr lang="ko-KR" altLang="en-US" sz="1400" dirty="0"/>
+              <a:t>위치 담당</a:t>
+            </a:r>
+            <a:r>
+              <a:rPr lang="en-US" altLang="ko-KR" sz="1400" dirty="0"/>
+              <a:t>)</a:t>
+            </a:r>
+            <a:endParaRPr lang="ko-KR" altLang="en-US" sz="1400" dirty="0"/>
+          </a:p>
+        </p:txBody>
+      </p:sp>
+      <p:sp>
+        <p:nvSpPr>
+          <p:cNvPr id="7" name="TextBox 6">
+            <a:extLst>
+              <a:ext uri="{FF2B5EF4-FFF2-40B4-BE49-F238E27FC236}">
+                <a16:creationId xmlns:a16="http://schemas.microsoft.com/office/drawing/2014/main" id="{C65F2052-D581-4340-8786-1810D092E457}"/>
+              </a:ext>
+            </a:extLst>
+          </p:cNvPr>
+          <p:cNvSpPr txBox="1"/>
+          <p:nvPr/>
+        </p:nvSpPr>
+        <p:spPr>
+          <a:xfrm>
+            <a:off x="899865" y="2488643"/>
+            <a:ext cx="2520280" cy="523220"/>
+          </a:xfrm>
+          <a:prstGeom prst="rect">
+            <a:avLst/>
+          </a:prstGeom>
+          <a:noFill/>
+          <a:ln>
+            <a:solidFill>
+              <a:schemeClr val="tx1"/>
+            </a:solidFill>
+          </a:ln>
+        </p:spPr>
+        <p:txBody>
+          <a:bodyPr wrap="square" rtlCol="0">
+            <a:spAutoFit/>
+          </a:bodyPr>
+          <a:lstStyle/>
+          <a:p>
+            <a:r>
+              <a:rPr lang="ko-KR" altLang="en-US" sz="1400" dirty="0"/>
+              <a:t>문자열 </a:t>
+            </a:r>
+            <a:r>
+              <a:rPr lang="en-US" altLang="ko-KR" sz="1400" dirty="0" err="1"/>
+              <a:t>ss</a:t>
+            </a:r>
+            <a:r>
+              <a:rPr lang="ko-KR" altLang="en-US" sz="1400" dirty="0"/>
+              <a:t> </a:t>
+            </a:r>
+            <a:r>
+              <a:rPr lang="ko-KR" altLang="en-US" sz="1400" dirty="0" err="1"/>
+              <a:t>쓰레드</a:t>
+            </a:r>
+            <a:r>
+              <a:rPr lang="ko-KR" altLang="en-US" sz="1400" dirty="0"/>
+              <a:t> 생성</a:t>
+            </a:r>
+            <a:r>
+              <a:rPr lang="en-US" altLang="ko-KR" sz="1400" dirty="0"/>
+              <a:t>.</a:t>
+            </a:r>
+          </a:p>
+          <a:p>
+            <a:r>
+              <a:rPr lang="en-US" altLang="ko-KR" sz="1400" dirty="0"/>
+              <a:t>(</a:t>
+            </a:r>
+            <a:r>
+              <a:rPr lang="en-US" altLang="ko-KR" sz="1400" dirty="0" err="1"/>
+              <a:t>s,s</a:t>
+            </a:r>
+            <a:r>
+              <a:rPr lang="ko-KR" altLang="en-US" sz="1400" dirty="0"/>
+              <a:t>위치 담당</a:t>
+            </a:r>
+            <a:r>
+              <a:rPr lang="en-US" altLang="ko-KR" sz="1400" dirty="0"/>
+              <a:t>)</a:t>
+            </a:r>
+            <a:endParaRPr lang="ko-KR" altLang="en-US" sz="1400" dirty="0"/>
+          </a:p>
+        </p:txBody>
+      </p:sp>
+      <p:cxnSp>
+        <p:nvCxnSpPr>
+          <p:cNvPr id="8" name="직선 화살표 연결선 7">
+            <a:extLst>
+              <a:ext uri="{FF2B5EF4-FFF2-40B4-BE49-F238E27FC236}">
+                <a16:creationId xmlns:a16="http://schemas.microsoft.com/office/drawing/2014/main" id="{D4D3951C-2433-40F2-8CE0-CC3670B7FCF1}"/>
+              </a:ext>
+            </a:extLst>
+          </p:cNvPr>
+          <p:cNvCxnSpPr/>
+          <p:nvPr/>
+        </p:nvCxnSpPr>
+        <p:spPr>
+          <a:xfrm>
+            <a:off x="3492153" y="1953687"/>
+            <a:ext cx="288032" cy="0"/>
+          </a:xfrm>
+          <a:prstGeom prst="straightConnector1">
+            <a:avLst/>
+          </a:prstGeom>
+          <a:ln>
+            <a:solidFill>
+              <a:schemeClr val="tx1"/>
+            </a:solidFill>
+            <a:tailEnd type="arrow"/>
+          </a:ln>
+        </p:spPr>
+        <p:style>
+          <a:lnRef idx="1">
+            <a:schemeClr val="accent1"/>
+          </a:lnRef>
+          <a:fillRef idx="0">
+            <a:schemeClr val="accent1"/>
+          </a:fillRef>
+          <a:effectRef idx="0">
+            <a:schemeClr val="accent1"/>
+          </a:effectRef>
+          <a:fontRef idx="minor">
+            <a:schemeClr val="tx1"/>
+          </a:fontRef>
+        </p:style>
+      </p:cxnSp>
+      <p:cxnSp>
+        <p:nvCxnSpPr>
+          <p:cNvPr id="9" name="직선 화살표 연결선 8">
+            <a:extLst>
+              <a:ext uri="{FF2B5EF4-FFF2-40B4-BE49-F238E27FC236}">
+                <a16:creationId xmlns:a16="http://schemas.microsoft.com/office/drawing/2014/main" id="{67D76644-E8C3-4939-9337-2C7DA2952D0A}"/>
+              </a:ext>
+            </a:extLst>
+          </p:cNvPr>
+          <p:cNvCxnSpPr/>
+          <p:nvPr/>
+        </p:nvCxnSpPr>
+        <p:spPr>
+          <a:xfrm>
+            <a:off x="6300465" y="1953687"/>
+            <a:ext cx="288032" cy="0"/>
+          </a:xfrm>
+          <a:prstGeom prst="straightConnector1">
+            <a:avLst/>
+          </a:prstGeom>
+          <a:ln>
+            <a:solidFill>
+              <a:schemeClr val="tx1"/>
+            </a:solidFill>
+            <a:tailEnd type="arrow"/>
+          </a:ln>
+        </p:spPr>
+        <p:style>
+          <a:lnRef idx="1">
+            <a:schemeClr val="accent1"/>
+          </a:lnRef>
+          <a:fillRef idx="0">
+            <a:schemeClr val="accent1"/>
+          </a:fillRef>
+          <a:effectRef idx="0">
+            <a:schemeClr val="accent1"/>
+          </a:effectRef>
+          <a:fontRef idx="minor">
+            <a:schemeClr val="tx1"/>
+          </a:fontRef>
+        </p:style>
+      </p:cxnSp>
+      <p:cxnSp>
+        <p:nvCxnSpPr>
+          <p:cNvPr id="10" name="직선 화살표 연결선 9">
+            <a:extLst>
+              <a:ext uri="{FF2B5EF4-FFF2-40B4-BE49-F238E27FC236}">
+                <a16:creationId xmlns:a16="http://schemas.microsoft.com/office/drawing/2014/main" id="{5106998A-569E-4297-B603-1BFCA8350A3C}"/>
+              </a:ext>
+            </a:extLst>
+          </p:cNvPr>
+          <p:cNvCxnSpPr/>
+          <p:nvPr/>
+        </p:nvCxnSpPr>
+        <p:spPr>
+          <a:xfrm>
+            <a:off x="7596609" y="2215297"/>
+            <a:ext cx="0" cy="196860"/>
+          </a:xfrm>
+          <a:prstGeom prst="straightConnector1">
+            <a:avLst/>
+          </a:prstGeom>
+          <a:ln>
+            <a:solidFill>
+              <a:schemeClr val="tx1"/>
+            </a:solidFill>
+            <a:tailEnd type="arrow"/>
+          </a:ln>
+        </p:spPr>
+        <p:style>
+          <a:lnRef idx="1">
+            <a:schemeClr val="accent1"/>
+          </a:lnRef>
+          <a:fillRef idx="0">
+            <a:schemeClr val="accent1"/>
+          </a:fillRef>
+          <a:effectRef idx="0">
+            <a:schemeClr val="accent1"/>
+          </a:effectRef>
+          <a:fontRef idx="minor">
+            <a:schemeClr val="tx1"/>
+          </a:fontRef>
+        </p:style>
+      </p:cxnSp>
+      <p:cxnSp>
+        <p:nvCxnSpPr>
+          <p:cNvPr id="11" name="직선 화살표 연결선 10">
+            <a:extLst>
+              <a:ext uri="{FF2B5EF4-FFF2-40B4-BE49-F238E27FC236}">
+                <a16:creationId xmlns:a16="http://schemas.microsoft.com/office/drawing/2014/main" id="{EA9AF865-9AB0-41BB-8375-C1119890C6D1}"/>
+              </a:ext>
+            </a:extLst>
+          </p:cNvPr>
+          <p:cNvCxnSpPr>
+            <a:stCxn id="5" idx="1"/>
+          </p:cNvCxnSpPr>
+          <p:nvPr/>
+        </p:nvCxnSpPr>
+        <p:spPr>
+          <a:xfrm flipH="1">
+            <a:off x="6300465" y="2741929"/>
+            <a:ext cx="320816" cy="0"/>
+          </a:xfrm>
+          <a:prstGeom prst="straightConnector1">
+            <a:avLst/>
+          </a:prstGeom>
+          <a:ln>
+            <a:solidFill>
+              <a:schemeClr val="tx1"/>
+            </a:solidFill>
+            <a:tailEnd type="arrow"/>
+          </a:ln>
+        </p:spPr>
+        <p:style>
+          <a:lnRef idx="1">
+            <a:schemeClr val="accent1"/>
+          </a:lnRef>
+          <a:fillRef idx="0">
+            <a:schemeClr val="accent1"/>
+          </a:fillRef>
+          <a:effectRef idx="0">
+            <a:schemeClr val="accent1"/>
+          </a:effectRef>
+          <a:fontRef idx="minor">
+            <a:schemeClr val="tx1"/>
+          </a:fontRef>
+        </p:style>
+      </p:cxnSp>
+      <p:cxnSp>
+        <p:nvCxnSpPr>
+          <p:cNvPr id="12" name="직선 화살표 연결선 11">
+            <a:extLst>
+              <a:ext uri="{FF2B5EF4-FFF2-40B4-BE49-F238E27FC236}">
+                <a16:creationId xmlns:a16="http://schemas.microsoft.com/office/drawing/2014/main" id="{13C4C635-A080-4254-8736-5A563A8F449D}"/>
+              </a:ext>
+            </a:extLst>
+          </p:cNvPr>
+          <p:cNvCxnSpPr/>
+          <p:nvPr/>
+        </p:nvCxnSpPr>
+        <p:spPr>
+          <a:xfrm flipH="1">
+            <a:off x="3492153" y="2765915"/>
+            <a:ext cx="320816" cy="0"/>
+          </a:xfrm>
+          <a:prstGeom prst="straightConnector1">
+            <a:avLst/>
+          </a:prstGeom>
+          <a:ln>
+            <a:solidFill>
+              <a:schemeClr val="tx1"/>
+            </a:solidFill>
+            <a:tailEnd type="arrow"/>
+          </a:ln>
+        </p:spPr>
+        <p:style>
+          <a:lnRef idx="1">
+            <a:schemeClr val="accent1"/>
+          </a:lnRef>
+          <a:fillRef idx="0">
+            <a:schemeClr val="accent1"/>
+          </a:fillRef>
+          <a:effectRef idx="0">
+            <a:schemeClr val="accent1"/>
+          </a:effectRef>
+          <a:fontRef idx="minor">
+            <a:schemeClr val="tx1"/>
+          </a:fontRef>
+        </p:style>
+      </p:cxnSp>
+      <p:sp>
+        <p:nvSpPr>
+          <p:cNvPr id="13" name="TextBox 12">
+            <a:extLst>
+              <a:ext uri="{FF2B5EF4-FFF2-40B4-BE49-F238E27FC236}">
+                <a16:creationId xmlns:a16="http://schemas.microsoft.com/office/drawing/2014/main" id="{7F4ECAAA-701C-48B4-B936-38AE622E76C7}"/>
+              </a:ext>
+            </a:extLst>
+          </p:cNvPr>
+          <p:cNvSpPr txBox="1"/>
+          <p:nvPr/>
+        </p:nvSpPr>
+        <p:spPr>
+          <a:xfrm>
+            <a:off x="9252793" y="1719659"/>
+            <a:ext cx="2520280" cy="1384995"/>
+          </a:xfrm>
+          <a:prstGeom prst="rect">
+            <a:avLst/>
+          </a:prstGeom>
+          <a:noFill/>
+        </p:spPr>
+        <p:txBody>
+          <a:bodyPr wrap="square" rtlCol="0">
+            <a:spAutoFit/>
+          </a:bodyPr>
+          <a:lstStyle/>
+          <a:p>
+            <a:r>
+              <a:rPr lang="en-US" altLang="ko-KR" sz="1400" dirty="0" err="1"/>
+              <a:t>make_enzyme_threads</a:t>
+            </a:r>
+            <a:r>
+              <a:rPr lang="en-US" altLang="ko-KR" sz="1400" dirty="0"/>
+              <a:t> </a:t>
+            </a:r>
+            <a:r>
+              <a:rPr lang="ko-KR" altLang="en-US" sz="1400" dirty="0"/>
+              <a:t>함수 실행 후</a:t>
+            </a:r>
+            <a:r>
+              <a:rPr lang="en-US" altLang="ko-KR" sz="1400" dirty="0"/>
+              <a:t>, </a:t>
+            </a:r>
+            <a:r>
+              <a:rPr lang="ko-KR" altLang="en-US" sz="1400" dirty="0" err="1"/>
+              <a:t>쓰레드가</a:t>
+            </a:r>
+            <a:r>
+              <a:rPr lang="ko-KR" altLang="en-US" sz="1400" dirty="0"/>
+              <a:t> 생성되고</a:t>
+            </a:r>
+            <a:r>
+              <a:rPr lang="en-US" altLang="ko-KR" sz="1400" dirty="0"/>
+              <a:t>,</a:t>
+            </a:r>
+            <a:r>
+              <a:rPr lang="ko-KR" altLang="en-US" sz="1400" dirty="0"/>
+              <a:t> 각 </a:t>
+            </a:r>
+            <a:r>
+              <a:rPr lang="ko-KR" altLang="en-US" sz="1400" dirty="0" err="1"/>
+              <a:t>쓰레드는</a:t>
+            </a:r>
+            <a:r>
+              <a:rPr lang="ko-KR" altLang="en-US" sz="1400" dirty="0"/>
+              <a:t> </a:t>
+            </a:r>
+            <a:r>
+              <a:rPr lang="en-US" altLang="ko-KR" sz="1400" dirty="0" err="1"/>
+              <a:t>run_enzyme</a:t>
+            </a:r>
+            <a:r>
+              <a:rPr lang="ko-KR" altLang="en-US" sz="1400" dirty="0"/>
+              <a:t>함수를 통해 각 위치에 해당하는 문자들을 계속해서 정렬해나간다</a:t>
+            </a:r>
+            <a:r>
+              <a:rPr lang="en-US" altLang="ko-KR" sz="1400" dirty="0"/>
+              <a:t>.</a:t>
+            </a:r>
+            <a:r>
+              <a:rPr lang="ko-KR" altLang="en-US" sz="1400" dirty="0"/>
+              <a:t> </a:t>
+            </a:r>
+          </a:p>
+        </p:txBody>
+      </p:sp>
+      <p:sp>
+        <p:nvSpPr>
+          <p:cNvPr id="14" name="오른쪽 대괄호 13">
+            <a:extLst>
+              <a:ext uri="{FF2B5EF4-FFF2-40B4-BE49-F238E27FC236}">
+                <a16:creationId xmlns:a16="http://schemas.microsoft.com/office/drawing/2014/main" id="{78A35A6E-8C67-4F06-9089-F38E1D9B195D}"/>
+              </a:ext>
+            </a:extLst>
+          </p:cNvPr>
+          <p:cNvSpPr/>
+          <p:nvPr/>
+        </p:nvSpPr>
+        <p:spPr>
+          <a:xfrm>
+            <a:off x="8964761" y="1764085"/>
+            <a:ext cx="72008" cy="1080120"/>
+          </a:xfrm>
+          <a:prstGeom prst="rightBracket">
+            <a:avLst/>
+          </a:prstGeom>
+          <a:ln>
+            <a:solidFill>
+              <a:schemeClr val="tx1"/>
+            </a:solidFill>
+          </a:ln>
+        </p:spPr>
+        <p:style>
+          <a:lnRef idx="1">
+            <a:schemeClr val="accent1"/>
+          </a:lnRef>
+          <a:fillRef idx="0">
+            <a:schemeClr val="accent1"/>
+          </a:fillRef>
+          <a:effectRef idx="0">
+            <a:schemeClr val="accent1"/>
+          </a:effectRef>
+          <a:fontRef idx="minor">
+            <a:schemeClr val="tx1"/>
+          </a:fontRef>
+        </p:style>
+        <p:txBody>
+          <a:bodyPr rtlCol="0" anchor="ctr"/>
+          <a:lstStyle/>
+          <a:p>
+            <a:pPr algn="ctr"/>
+            <a:endParaRPr lang="ko-KR" altLang="en-US"/>
+          </a:p>
+        </p:txBody>
+      </p:sp>
+      <p:sp>
+        <p:nvSpPr>
+          <p:cNvPr id="15" name="오른쪽 화살표 21">
+            <a:extLst>
+              <a:ext uri="{FF2B5EF4-FFF2-40B4-BE49-F238E27FC236}">
+                <a16:creationId xmlns:a16="http://schemas.microsoft.com/office/drawing/2014/main" id="{4CE88AEC-C9BA-4A50-BE44-8D3F56A85261}"/>
+              </a:ext>
+            </a:extLst>
+          </p:cNvPr>
+          <p:cNvSpPr/>
+          <p:nvPr/>
+        </p:nvSpPr>
+        <p:spPr>
+          <a:xfrm>
+            <a:off x="9108777" y="1953687"/>
+            <a:ext cx="144016" cy="674494"/>
+          </a:xfrm>
+          <a:prstGeom prst="rightArrow">
+            <a:avLst/>
+          </a:prstGeom>
+          <a:ln w="3175">
+            <a:solidFill>
+              <a:schemeClr val="tx1"/>
+            </a:solidFill>
+          </a:ln>
+        </p:spPr>
+        <p:style>
+          <a:lnRef idx="2">
+            <a:schemeClr val="accent6"/>
+          </a:lnRef>
+          <a:fillRef idx="1">
+            <a:schemeClr val="lt1"/>
+          </a:fillRef>
+          <a:effectRef idx="0">
+            <a:schemeClr val="accent6"/>
+          </a:effectRef>
+          <a:fontRef idx="minor">
+            <a:schemeClr val="dk1"/>
+          </a:fontRef>
+        </p:style>
+        <p:txBody>
+          <a:bodyPr rtlCol="0" anchor="ctr"/>
+          <a:lstStyle/>
+          <a:p>
+            <a:pPr algn="ctr"/>
+            <a:endParaRPr lang="ko-KR" altLang="en-US">
+              <a:ln w="18415" cmpd="sng">
+                <a:solidFill>
+                  <a:srgbClr val="FFFFFF"/>
+                </a:solidFill>
+                <a:prstDash val="solid"/>
+              </a:ln>
+              <a:solidFill>
+                <a:srgbClr val="FFFFFF"/>
+              </a:solidFill>
+              <a:effectLst>
+                <a:outerShdw blurRad="63500" dir="3600000" algn="tl" rotWithShape="0">
+                  <a:srgbClr val="000000">
+                    <a:alpha val="70000"/>
+                  </a:srgbClr>
+                </a:outerShdw>
+              </a:effectLst>
+            </a:endParaRPr>
+          </a:p>
+        </p:txBody>
+      </p:sp>
+      <p:sp>
+        <p:nvSpPr>
+          <p:cNvPr id="16" name="TextBox 15">
+            <a:extLst>
+              <a:ext uri="{FF2B5EF4-FFF2-40B4-BE49-F238E27FC236}">
+                <a16:creationId xmlns:a16="http://schemas.microsoft.com/office/drawing/2014/main" id="{162EDA89-4BD4-4B43-A375-DAF18F73AD58}"/>
+              </a:ext>
+            </a:extLst>
+          </p:cNvPr>
+          <p:cNvSpPr txBox="1"/>
+          <p:nvPr/>
+        </p:nvSpPr>
+        <p:spPr>
+          <a:xfrm>
+            <a:off x="932269" y="3420269"/>
+            <a:ext cx="8533105" cy="369332"/>
+          </a:xfrm>
+          <a:prstGeom prst="rect">
+            <a:avLst/>
+          </a:prstGeom>
+          <a:noFill/>
+          <a:ln>
+            <a:solidFill>
+              <a:schemeClr val="tx1"/>
+            </a:solidFill>
+          </a:ln>
+        </p:spPr>
+        <p:txBody>
+          <a:bodyPr wrap="none" rtlCol="0">
+            <a:spAutoFit/>
+          </a:bodyPr>
+          <a:lstStyle/>
+          <a:p>
+            <a:r>
+              <a:rPr lang="en-US" altLang="ko-KR" dirty="0" err="1"/>
+              <a:t>OSClass</a:t>
+            </a:r>
+            <a:r>
+              <a:rPr lang="en-US" altLang="ko-KR" dirty="0"/>
+              <a:t>-&gt;O[CS]lass-&gt;OCS[al]</a:t>
+            </a:r>
+            <a:r>
+              <a:rPr lang="en-US" altLang="ko-KR" dirty="0" err="1"/>
+              <a:t>ss</a:t>
+            </a:r>
+            <a:r>
+              <a:rPr lang="en-US" altLang="ko-KR" dirty="0"/>
+              <a:t>-&gt;</a:t>
+            </a:r>
+            <a:r>
+              <a:rPr lang="en-US" altLang="ko-KR" dirty="0" err="1"/>
+              <a:t>OCSalss</a:t>
+            </a:r>
+            <a:r>
+              <a:rPr lang="en-US" altLang="ko-KR" dirty="0"/>
+              <a:t>-&gt;[CO]</a:t>
+            </a:r>
+            <a:r>
+              <a:rPr lang="en-US" altLang="ko-KR" dirty="0" err="1"/>
+              <a:t>Salss</a:t>
+            </a:r>
+            <a:r>
+              <a:rPr lang="en-US" altLang="ko-KR" dirty="0"/>
+              <a:t> </a:t>
+            </a:r>
+            <a:r>
+              <a:rPr lang="ko-KR" altLang="en-US" dirty="0"/>
+              <a:t>와 같이 정렬이 이루어짐</a:t>
+            </a:r>
+            <a:r>
+              <a:rPr lang="en-US" altLang="ko-KR" dirty="0"/>
+              <a:t>.</a:t>
+            </a:r>
+            <a:endParaRPr lang="ko-KR" altLang="en-US" dirty="0"/>
+          </a:p>
+        </p:txBody>
+      </p:sp>
+      <p:sp>
+        <p:nvSpPr>
+          <p:cNvPr id="17" name="아래쪽 화살표 23">
+            <a:extLst>
+              <a:ext uri="{FF2B5EF4-FFF2-40B4-BE49-F238E27FC236}">
+                <a16:creationId xmlns:a16="http://schemas.microsoft.com/office/drawing/2014/main" id="{CB7BA723-F458-4457-9327-C9942E31E604}"/>
+              </a:ext>
+            </a:extLst>
+          </p:cNvPr>
+          <p:cNvSpPr/>
+          <p:nvPr/>
+        </p:nvSpPr>
+        <p:spPr>
+          <a:xfrm>
+            <a:off x="4356249" y="3104654"/>
+            <a:ext cx="2088232" cy="243607"/>
+          </a:xfrm>
+          <a:prstGeom prst="downArrow">
+            <a:avLst/>
+          </a:prstGeom>
+          <a:ln w="3175">
+            <a:solidFill>
+              <a:schemeClr val="tx1"/>
+            </a:solidFill>
+          </a:ln>
+        </p:spPr>
+        <p:style>
+          <a:lnRef idx="2">
+            <a:schemeClr val="accent6"/>
+          </a:lnRef>
+          <a:fillRef idx="1">
+            <a:schemeClr val="lt1"/>
+          </a:fillRef>
+          <a:effectRef idx="0">
+            <a:schemeClr val="accent6"/>
+          </a:effectRef>
+          <a:fontRef idx="minor">
+            <a:schemeClr val="dk1"/>
+          </a:fontRef>
+        </p:style>
+        <p:txBody>
+          <a:bodyPr rtlCol="0" anchor="ctr"/>
+          <a:lstStyle/>
+          <a:p>
+            <a:pPr algn="ctr"/>
+            <a:endParaRPr lang="ko-KR" altLang="en-US"/>
+          </a:p>
+        </p:txBody>
+      </p:sp>
+      <p:cxnSp>
+        <p:nvCxnSpPr>
+          <p:cNvPr id="18" name="직선 연결선 17">
+            <a:extLst>
+              <a:ext uri="{FF2B5EF4-FFF2-40B4-BE49-F238E27FC236}">
+                <a16:creationId xmlns:a16="http://schemas.microsoft.com/office/drawing/2014/main" id="{3F12F0C9-7081-45F0-85C3-EDF2599BA75F}"/>
+              </a:ext>
+            </a:extLst>
+          </p:cNvPr>
+          <p:cNvCxnSpPr/>
+          <p:nvPr/>
+        </p:nvCxnSpPr>
+        <p:spPr>
+          <a:xfrm>
+            <a:off x="899865" y="3924325"/>
+            <a:ext cx="10873208" cy="0"/>
+          </a:xfrm>
+          <a:prstGeom prst="line">
+            <a:avLst/>
+          </a:prstGeom>
+          <a:ln>
+            <a:solidFill>
+              <a:schemeClr val="tx1"/>
+            </a:solidFill>
+          </a:ln>
+        </p:spPr>
+        <p:style>
+          <a:lnRef idx="1">
+            <a:schemeClr val="accent1"/>
+          </a:lnRef>
+          <a:fillRef idx="0">
+            <a:schemeClr val="accent1"/>
+          </a:fillRef>
+          <a:effectRef idx="0">
+            <a:schemeClr val="accent1"/>
+          </a:effectRef>
+          <a:fontRef idx="minor">
+            <a:schemeClr val="tx1"/>
+          </a:fontRef>
+        </p:style>
+      </p:cxnSp>
+      <p:sp>
+        <p:nvSpPr>
+          <p:cNvPr id="19" name="TextBox 18">
+            <a:extLst>
+              <a:ext uri="{FF2B5EF4-FFF2-40B4-BE49-F238E27FC236}">
+                <a16:creationId xmlns:a16="http://schemas.microsoft.com/office/drawing/2014/main" id="{E1282215-8A1D-4734-B404-466C82C6879C}"/>
+              </a:ext>
+            </a:extLst>
+          </p:cNvPr>
+          <p:cNvSpPr txBox="1"/>
+          <p:nvPr/>
+        </p:nvSpPr>
+        <p:spPr>
+          <a:xfrm>
+            <a:off x="899865" y="4140349"/>
+            <a:ext cx="2160240" cy="523220"/>
+          </a:xfrm>
+          <a:prstGeom prst="rect">
+            <a:avLst/>
+          </a:prstGeom>
+          <a:noFill/>
+          <a:ln>
+            <a:solidFill>
+              <a:schemeClr val="tx1"/>
+            </a:solidFill>
+          </a:ln>
+        </p:spPr>
+        <p:txBody>
+          <a:bodyPr wrap="square" rtlCol="0">
+            <a:spAutoFit/>
+          </a:bodyPr>
+          <a:lstStyle/>
+          <a:p>
+            <a:r>
+              <a:rPr lang="ko-KR" altLang="en-US" sz="1400" dirty="0"/>
+              <a:t>문자열 </a:t>
+            </a:r>
+            <a:r>
+              <a:rPr lang="en-US" altLang="ko-KR" sz="1400" dirty="0" err="1"/>
+              <a:t>Cba</a:t>
+            </a:r>
+            <a:r>
+              <a:rPr lang="en-US" altLang="ko-KR" sz="1400" dirty="0"/>
+              <a:t> </a:t>
+            </a:r>
+            <a:r>
+              <a:rPr lang="ko-KR" altLang="en-US" sz="1400" dirty="0" err="1"/>
+              <a:t>쓰레드</a:t>
+            </a:r>
+            <a:r>
+              <a:rPr lang="ko-KR" altLang="en-US" sz="1400" dirty="0"/>
+              <a:t> 생성</a:t>
+            </a:r>
+            <a:r>
+              <a:rPr lang="en-US" altLang="ko-KR" sz="1400" dirty="0"/>
+              <a:t>.</a:t>
+            </a:r>
+          </a:p>
+          <a:p>
+            <a:r>
+              <a:rPr lang="en-US" altLang="ko-KR" sz="1400" dirty="0"/>
+              <a:t>(</a:t>
+            </a:r>
+            <a:r>
+              <a:rPr lang="en-US" altLang="ko-KR" sz="1400" dirty="0" err="1"/>
+              <a:t>C,b</a:t>
+            </a:r>
+            <a:r>
+              <a:rPr lang="en-US" altLang="ko-KR" sz="1400" dirty="0"/>
+              <a:t> </a:t>
+            </a:r>
+            <a:r>
+              <a:rPr lang="ko-KR" altLang="en-US" sz="1400" dirty="0"/>
+              <a:t>위치 담당</a:t>
+            </a:r>
+            <a:r>
+              <a:rPr lang="en-US" altLang="ko-KR" sz="1400" dirty="0"/>
+              <a:t>)</a:t>
+            </a:r>
+            <a:endParaRPr lang="ko-KR" altLang="en-US" sz="1400" dirty="0"/>
+          </a:p>
+        </p:txBody>
+      </p:sp>
+      <p:sp>
+        <p:nvSpPr>
+          <p:cNvPr id="20" name="TextBox 19">
+            <a:extLst>
+              <a:ext uri="{FF2B5EF4-FFF2-40B4-BE49-F238E27FC236}">
+                <a16:creationId xmlns:a16="http://schemas.microsoft.com/office/drawing/2014/main" id="{A6B2EE31-FC50-43FC-A868-6E67C7EE59B1}"/>
+              </a:ext>
+            </a:extLst>
+          </p:cNvPr>
+          <p:cNvSpPr txBox="1"/>
+          <p:nvPr/>
+        </p:nvSpPr>
+        <p:spPr>
+          <a:xfrm>
+            <a:off x="3492153" y="4140349"/>
+            <a:ext cx="2160240" cy="523220"/>
+          </a:xfrm>
+          <a:prstGeom prst="rect">
+            <a:avLst/>
+          </a:prstGeom>
+          <a:noFill/>
+          <a:ln>
+            <a:solidFill>
+              <a:schemeClr val="tx1"/>
+            </a:solidFill>
+          </a:ln>
+        </p:spPr>
+        <p:txBody>
+          <a:bodyPr wrap="square" rtlCol="0">
+            <a:spAutoFit/>
+          </a:bodyPr>
+          <a:lstStyle/>
+          <a:p>
+            <a:r>
+              <a:rPr lang="ko-KR" altLang="en-US" sz="1400" dirty="0"/>
+              <a:t>문자열 </a:t>
+            </a:r>
+            <a:r>
+              <a:rPr lang="en-US" altLang="ko-KR" sz="1400" dirty="0" err="1"/>
+              <a:t>ba</a:t>
+            </a:r>
+            <a:r>
+              <a:rPr lang="en-US" altLang="ko-KR" sz="1400" dirty="0"/>
+              <a:t> </a:t>
+            </a:r>
+            <a:r>
+              <a:rPr lang="ko-KR" altLang="en-US" sz="1400" dirty="0" err="1"/>
+              <a:t>쓰레드</a:t>
+            </a:r>
+            <a:r>
+              <a:rPr lang="ko-KR" altLang="en-US" sz="1400" dirty="0"/>
+              <a:t> 생성</a:t>
+            </a:r>
+            <a:r>
+              <a:rPr lang="en-US" altLang="ko-KR" sz="1400" dirty="0"/>
+              <a:t>.</a:t>
+            </a:r>
+          </a:p>
+          <a:p>
+            <a:r>
+              <a:rPr lang="en-US" altLang="ko-KR" sz="1400" dirty="0"/>
+              <a:t>(</a:t>
+            </a:r>
+            <a:r>
+              <a:rPr lang="en-US" altLang="ko-KR" sz="1400" dirty="0" err="1"/>
+              <a:t>b,a</a:t>
+            </a:r>
+            <a:r>
+              <a:rPr lang="en-US" altLang="ko-KR" sz="1400" dirty="0"/>
+              <a:t> </a:t>
+            </a:r>
+            <a:r>
+              <a:rPr lang="ko-KR" altLang="en-US" sz="1400" dirty="0"/>
+              <a:t>위치 담당</a:t>
+            </a:r>
+            <a:r>
+              <a:rPr lang="en-US" altLang="ko-KR" sz="1400" dirty="0"/>
+              <a:t>)</a:t>
+            </a:r>
+            <a:endParaRPr lang="ko-KR" altLang="en-US" sz="1400" dirty="0"/>
+          </a:p>
+        </p:txBody>
+      </p:sp>
+      <p:cxnSp>
+        <p:nvCxnSpPr>
+          <p:cNvPr id="21" name="직선 화살표 연결선 20">
+            <a:extLst>
+              <a:ext uri="{FF2B5EF4-FFF2-40B4-BE49-F238E27FC236}">
+                <a16:creationId xmlns:a16="http://schemas.microsoft.com/office/drawing/2014/main" id="{52672D7C-5FE3-4688-87B6-150F2CC42753}"/>
+              </a:ext>
+            </a:extLst>
+          </p:cNvPr>
+          <p:cNvCxnSpPr/>
+          <p:nvPr/>
+        </p:nvCxnSpPr>
+        <p:spPr>
+          <a:xfrm>
+            <a:off x="3165591" y="4401959"/>
+            <a:ext cx="288032" cy="0"/>
+          </a:xfrm>
+          <a:prstGeom prst="straightConnector1">
+            <a:avLst/>
+          </a:prstGeom>
+          <a:ln>
+            <a:solidFill>
+              <a:schemeClr val="tx1"/>
+            </a:solidFill>
+            <a:tailEnd type="arrow"/>
+          </a:ln>
+        </p:spPr>
+        <p:style>
+          <a:lnRef idx="1">
+            <a:schemeClr val="accent1"/>
+          </a:lnRef>
+          <a:fillRef idx="0">
+            <a:schemeClr val="accent1"/>
+          </a:fillRef>
+          <a:effectRef idx="0">
+            <a:schemeClr val="accent1"/>
+          </a:effectRef>
+          <a:fontRef idx="minor">
+            <a:schemeClr val="tx1"/>
+          </a:fontRef>
+        </p:style>
+      </p:cxnSp>
+      <p:sp>
+        <p:nvSpPr>
+          <p:cNvPr id="22" name="TextBox 21">
+            <a:extLst>
+              <a:ext uri="{FF2B5EF4-FFF2-40B4-BE49-F238E27FC236}">
+                <a16:creationId xmlns:a16="http://schemas.microsoft.com/office/drawing/2014/main" id="{B3265D46-0E8E-4EB2-8441-43DC94EA698A}"/>
+              </a:ext>
+            </a:extLst>
+          </p:cNvPr>
+          <p:cNvSpPr txBox="1"/>
+          <p:nvPr/>
+        </p:nvSpPr>
+        <p:spPr>
+          <a:xfrm>
+            <a:off x="5940425" y="4140349"/>
+            <a:ext cx="2799928" cy="523220"/>
+          </a:xfrm>
+          <a:prstGeom prst="rect">
+            <a:avLst/>
+          </a:prstGeom>
+          <a:noFill/>
+          <a:ln>
+            <a:solidFill>
+              <a:schemeClr val="tx1"/>
+            </a:solidFill>
+          </a:ln>
+        </p:spPr>
+        <p:txBody>
+          <a:bodyPr wrap="square" rtlCol="0">
+            <a:spAutoFit/>
+          </a:bodyPr>
+          <a:lstStyle/>
+          <a:p>
+            <a:r>
+              <a:rPr lang="ko-KR" altLang="en-US" sz="1400" dirty="0"/>
+              <a:t>첫 문자가 </a:t>
+            </a:r>
+            <a:r>
+              <a:rPr lang="en-US" altLang="ko-KR" sz="1400" dirty="0"/>
+              <a:t>‘C’</a:t>
+            </a:r>
+            <a:r>
+              <a:rPr lang="ko-KR" altLang="en-US" sz="1400" dirty="0"/>
+              <a:t>이므로 </a:t>
+            </a:r>
+            <a:r>
+              <a:rPr lang="en-US" altLang="ko-KR" sz="1400" dirty="0"/>
+              <a:t>main</a:t>
+            </a:r>
+            <a:r>
+              <a:rPr lang="ko-KR" altLang="en-US" sz="1400" dirty="0"/>
+              <a:t>함수의 </a:t>
+            </a:r>
+            <a:r>
+              <a:rPr lang="en-US" altLang="ko-KR" sz="1400" dirty="0"/>
+              <a:t>if(string[0]==‘C’)</a:t>
+            </a:r>
+            <a:r>
+              <a:rPr lang="ko-KR" altLang="en-US" sz="1400" dirty="0"/>
+              <a:t>에 해당</a:t>
+            </a:r>
+            <a:r>
+              <a:rPr lang="en-US" altLang="ko-KR" sz="1400" dirty="0"/>
+              <a:t>.</a:t>
+            </a:r>
+            <a:endParaRPr lang="ko-KR" altLang="en-US" sz="1400" dirty="0"/>
+          </a:p>
+        </p:txBody>
+      </p:sp>
+      <p:cxnSp>
+        <p:nvCxnSpPr>
+          <p:cNvPr id="23" name="직선 화살표 연결선 22">
+            <a:extLst>
+              <a:ext uri="{FF2B5EF4-FFF2-40B4-BE49-F238E27FC236}">
+                <a16:creationId xmlns:a16="http://schemas.microsoft.com/office/drawing/2014/main" id="{608985C4-72E9-4E96-983C-12F971F4F631}"/>
+              </a:ext>
+            </a:extLst>
+          </p:cNvPr>
+          <p:cNvCxnSpPr>
+            <a:stCxn id="20" idx="3"/>
+          </p:cNvCxnSpPr>
+          <p:nvPr/>
+        </p:nvCxnSpPr>
+        <p:spPr>
+          <a:xfrm>
+            <a:off x="5652393" y="4401959"/>
+            <a:ext cx="288032" cy="0"/>
+          </a:xfrm>
+          <a:prstGeom prst="straightConnector1">
+            <a:avLst/>
+          </a:prstGeom>
+          <a:ln>
+            <a:solidFill>
+              <a:schemeClr val="tx1"/>
+            </a:solidFill>
+            <a:tailEnd type="arrow"/>
+          </a:ln>
+        </p:spPr>
+        <p:style>
+          <a:lnRef idx="1">
+            <a:schemeClr val="accent1"/>
+          </a:lnRef>
+          <a:fillRef idx="0">
+            <a:schemeClr val="accent1"/>
+          </a:fillRef>
+          <a:effectRef idx="0">
+            <a:schemeClr val="accent1"/>
+          </a:effectRef>
+          <a:fontRef idx="minor">
+            <a:schemeClr val="tx1"/>
+          </a:fontRef>
+        </p:style>
+      </p:cxnSp>
+      <p:sp>
+        <p:nvSpPr>
+          <p:cNvPr id="24" name="TextBox 23">
+            <a:extLst>
+              <a:ext uri="{FF2B5EF4-FFF2-40B4-BE49-F238E27FC236}">
+                <a16:creationId xmlns:a16="http://schemas.microsoft.com/office/drawing/2014/main" id="{017F30E6-3880-4590-8445-AB4DF5CB069B}"/>
+              </a:ext>
+            </a:extLst>
+          </p:cNvPr>
+          <p:cNvSpPr txBox="1"/>
+          <p:nvPr/>
+        </p:nvSpPr>
+        <p:spPr>
+          <a:xfrm>
+            <a:off x="5932765" y="5004445"/>
+            <a:ext cx="2455932" cy="523220"/>
+          </a:xfrm>
+          <a:prstGeom prst="rect">
+            <a:avLst/>
+          </a:prstGeom>
+          <a:noFill/>
+          <a:ln>
+            <a:solidFill>
+              <a:schemeClr val="tx1"/>
+            </a:solidFill>
+          </a:ln>
+        </p:spPr>
+        <p:txBody>
+          <a:bodyPr wrap="square" rtlCol="0">
+            <a:spAutoFit/>
+          </a:bodyPr>
+          <a:lstStyle/>
+          <a:p>
+            <a:r>
+              <a:rPr lang="en-US" altLang="ko-KR" sz="1400" dirty="0" err="1"/>
+              <a:t>sleeperid</a:t>
+            </a:r>
+            <a:r>
+              <a:rPr lang="en-US" altLang="ko-KR" sz="1400" dirty="0"/>
+              <a:t> </a:t>
+            </a:r>
+            <a:r>
+              <a:rPr lang="ko-KR" altLang="en-US" sz="1400" dirty="0" err="1"/>
+              <a:t>쓰레드</a:t>
+            </a:r>
+            <a:r>
+              <a:rPr lang="ko-KR" altLang="en-US" sz="1400" dirty="0"/>
+              <a:t> 생성</a:t>
+            </a:r>
+            <a:r>
+              <a:rPr lang="en-US" altLang="ko-KR" sz="1400" dirty="0"/>
+              <a:t>. </a:t>
+            </a:r>
+            <a:r>
+              <a:rPr lang="en-US" altLang="ko-KR" sz="1400" dirty="0" err="1"/>
+              <a:t>sleeper_func</a:t>
+            </a:r>
+            <a:r>
+              <a:rPr lang="en-US" altLang="ko-KR" sz="1400" dirty="0"/>
+              <a:t>((void)*5) </a:t>
+            </a:r>
+            <a:r>
+              <a:rPr lang="ko-KR" altLang="en-US" sz="1400" dirty="0"/>
+              <a:t>실행</a:t>
+            </a:r>
+            <a:r>
+              <a:rPr lang="en-US" altLang="ko-KR" sz="1400" dirty="0"/>
+              <a:t>.</a:t>
+            </a:r>
+            <a:endParaRPr lang="ko-KR" altLang="en-US" sz="1400" dirty="0"/>
+          </a:p>
+        </p:txBody>
+      </p:sp>
+      <p:sp>
+        <p:nvSpPr>
+          <p:cNvPr id="25" name="TextBox 24">
+            <a:extLst>
+              <a:ext uri="{FF2B5EF4-FFF2-40B4-BE49-F238E27FC236}">
+                <a16:creationId xmlns:a16="http://schemas.microsoft.com/office/drawing/2014/main" id="{7875CF4B-66C5-4153-BB03-DA0EEC4074B1}"/>
+              </a:ext>
+            </a:extLst>
+          </p:cNvPr>
+          <p:cNvSpPr txBox="1"/>
+          <p:nvPr/>
+        </p:nvSpPr>
+        <p:spPr>
+          <a:xfrm>
+            <a:off x="4356249" y="5134223"/>
+            <a:ext cx="1399964" cy="307777"/>
+          </a:xfrm>
+          <a:prstGeom prst="rect">
+            <a:avLst/>
+          </a:prstGeom>
+          <a:noFill/>
+          <a:ln>
+            <a:solidFill>
+              <a:schemeClr val="tx1"/>
+            </a:solidFill>
+          </a:ln>
+        </p:spPr>
+        <p:txBody>
+          <a:bodyPr wrap="square" rtlCol="0">
+            <a:spAutoFit/>
+          </a:bodyPr>
+          <a:lstStyle/>
+          <a:p>
+            <a:r>
+              <a:rPr lang="en-US" altLang="ko-KR" sz="1400"/>
+              <a:t>sleep(6) </a:t>
+            </a:r>
+            <a:r>
+              <a:rPr lang="ko-KR" altLang="en-US" sz="1400" dirty="0"/>
+              <a:t>실행</a:t>
+            </a:r>
+            <a:r>
+              <a:rPr lang="en-US" altLang="ko-KR" sz="1400" dirty="0"/>
+              <a:t>.</a:t>
+            </a:r>
+            <a:endParaRPr lang="ko-KR" altLang="en-US" sz="1400" dirty="0"/>
+          </a:p>
+        </p:txBody>
+      </p:sp>
+      <p:sp>
+        <p:nvSpPr>
+          <p:cNvPr id="26" name="TextBox 25">
+            <a:extLst>
+              <a:ext uri="{FF2B5EF4-FFF2-40B4-BE49-F238E27FC236}">
+                <a16:creationId xmlns:a16="http://schemas.microsoft.com/office/drawing/2014/main" id="{7904B061-0A5A-446A-8C8D-1C212098E01A}"/>
+              </a:ext>
+            </a:extLst>
+          </p:cNvPr>
+          <p:cNvSpPr txBox="1"/>
+          <p:nvPr/>
+        </p:nvSpPr>
+        <p:spPr>
+          <a:xfrm>
+            <a:off x="899865" y="5004445"/>
+            <a:ext cx="3096344" cy="523220"/>
+          </a:xfrm>
+          <a:prstGeom prst="rect">
+            <a:avLst/>
+          </a:prstGeom>
+          <a:noFill/>
+          <a:ln>
+            <a:solidFill>
+              <a:schemeClr val="tx1"/>
+            </a:solidFill>
+          </a:ln>
+        </p:spPr>
+        <p:txBody>
+          <a:bodyPr wrap="square" rtlCol="0">
+            <a:spAutoFit/>
+          </a:bodyPr>
+          <a:lstStyle/>
+          <a:p>
+            <a:r>
+              <a:rPr lang="en-US" altLang="ko-KR" sz="1400" dirty="0" err="1"/>
+              <a:t>sleeper_func</a:t>
+            </a:r>
+            <a:r>
+              <a:rPr lang="ko-KR" altLang="en-US" sz="1400" dirty="0"/>
+              <a:t>의 </a:t>
+            </a:r>
+            <a:r>
+              <a:rPr lang="en-US" altLang="ko-KR" sz="1400" dirty="0"/>
+              <a:t>sleep</a:t>
+            </a:r>
+            <a:r>
+              <a:rPr lang="ko-KR" altLang="en-US" sz="1400" dirty="0"/>
+              <a:t>함수 종료 후 종료문장</a:t>
+            </a:r>
+            <a:r>
+              <a:rPr lang="en-US" altLang="ko-KR" sz="1400" dirty="0"/>
+              <a:t> </a:t>
+            </a:r>
+            <a:r>
+              <a:rPr lang="ko-KR" altLang="en-US" sz="1400" dirty="0"/>
+              <a:t>출력과 함께 프로그램 종료</a:t>
+            </a:r>
+            <a:r>
+              <a:rPr lang="en-US" altLang="ko-KR" sz="1400" dirty="0"/>
+              <a:t>.</a:t>
+            </a:r>
+            <a:endParaRPr lang="ko-KR" altLang="en-US" sz="1400" dirty="0"/>
+          </a:p>
+        </p:txBody>
+      </p:sp>
+      <p:cxnSp>
+        <p:nvCxnSpPr>
+          <p:cNvPr id="27" name="직선 화살표 연결선 26">
+            <a:extLst>
+              <a:ext uri="{FF2B5EF4-FFF2-40B4-BE49-F238E27FC236}">
+                <a16:creationId xmlns:a16="http://schemas.microsoft.com/office/drawing/2014/main" id="{B09B4B71-E2FA-4278-9F9A-71BF90C227B4}"/>
+              </a:ext>
+            </a:extLst>
+          </p:cNvPr>
+          <p:cNvCxnSpPr/>
+          <p:nvPr/>
+        </p:nvCxnSpPr>
+        <p:spPr>
+          <a:xfrm>
+            <a:off x="7164561" y="4663569"/>
+            <a:ext cx="0" cy="268868"/>
+          </a:xfrm>
+          <a:prstGeom prst="straightConnector1">
+            <a:avLst/>
+          </a:prstGeom>
+          <a:ln>
+            <a:solidFill>
+              <a:schemeClr val="tx1"/>
+            </a:solidFill>
+            <a:tailEnd type="arrow"/>
+          </a:ln>
+        </p:spPr>
+        <p:style>
+          <a:lnRef idx="1">
+            <a:schemeClr val="accent1"/>
+          </a:lnRef>
+          <a:fillRef idx="0">
+            <a:schemeClr val="accent1"/>
+          </a:fillRef>
+          <a:effectRef idx="0">
+            <a:schemeClr val="accent1"/>
+          </a:effectRef>
+          <a:fontRef idx="minor">
+            <a:schemeClr val="tx1"/>
+          </a:fontRef>
+        </p:style>
+      </p:cxnSp>
+      <p:cxnSp>
+        <p:nvCxnSpPr>
+          <p:cNvPr id="28" name="직선 화살표 연결선 27">
+            <a:extLst>
+              <a:ext uri="{FF2B5EF4-FFF2-40B4-BE49-F238E27FC236}">
+                <a16:creationId xmlns:a16="http://schemas.microsoft.com/office/drawing/2014/main" id="{1BC84704-69F9-4E0D-9001-1E9C05D3E196}"/>
+              </a:ext>
+            </a:extLst>
+          </p:cNvPr>
+          <p:cNvCxnSpPr/>
+          <p:nvPr/>
+        </p:nvCxnSpPr>
+        <p:spPr>
+          <a:xfrm flipH="1">
+            <a:off x="4035433" y="5295307"/>
+            <a:ext cx="320816" cy="0"/>
+          </a:xfrm>
+          <a:prstGeom prst="straightConnector1">
+            <a:avLst/>
+          </a:prstGeom>
+          <a:ln>
+            <a:solidFill>
+              <a:schemeClr val="tx1"/>
+            </a:solidFill>
+            <a:tailEnd type="arrow"/>
+          </a:ln>
+        </p:spPr>
+        <p:style>
+          <a:lnRef idx="1">
+            <a:schemeClr val="accent1"/>
+          </a:lnRef>
+          <a:fillRef idx="0">
+            <a:schemeClr val="accent1"/>
+          </a:fillRef>
+          <a:effectRef idx="0">
+            <a:schemeClr val="accent1"/>
+          </a:effectRef>
+          <a:fontRef idx="minor">
+            <a:schemeClr val="tx1"/>
+          </a:fontRef>
+        </p:style>
+      </p:cxnSp>
+      <p:cxnSp>
+        <p:nvCxnSpPr>
+          <p:cNvPr id="29" name="직선 화살표 연결선 28">
+            <a:extLst>
+              <a:ext uri="{FF2B5EF4-FFF2-40B4-BE49-F238E27FC236}">
+                <a16:creationId xmlns:a16="http://schemas.microsoft.com/office/drawing/2014/main" id="{38583593-D8E2-4F8A-BD22-1B2BFF27F22C}"/>
+              </a:ext>
+            </a:extLst>
+          </p:cNvPr>
+          <p:cNvCxnSpPr/>
+          <p:nvPr/>
+        </p:nvCxnSpPr>
+        <p:spPr>
+          <a:xfrm flipH="1">
+            <a:off x="5756213" y="5295307"/>
+            <a:ext cx="168416" cy="0"/>
+          </a:xfrm>
+          <a:prstGeom prst="straightConnector1">
+            <a:avLst/>
+          </a:prstGeom>
+          <a:ln>
+            <a:solidFill>
+              <a:schemeClr val="tx1"/>
+            </a:solidFill>
+            <a:tailEnd type="arrow"/>
+          </a:ln>
+        </p:spPr>
+        <p:style>
+          <a:lnRef idx="1">
+            <a:schemeClr val="accent1"/>
+          </a:lnRef>
+          <a:fillRef idx="0">
+            <a:schemeClr val="accent1"/>
+          </a:fillRef>
+          <a:effectRef idx="0">
+            <a:schemeClr val="accent1"/>
+          </a:effectRef>
+          <a:fontRef idx="minor">
+            <a:schemeClr val="tx1"/>
+          </a:fontRef>
+        </p:style>
+      </p:cxnSp>
+      <p:sp>
+        <p:nvSpPr>
+          <p:cNvPr id="30" name="TextBox 29">
+            <a:extLst>
+              <a:ext uri="{FF2B5EF4-FFF2-40B4-BE49-F238E27FC236}">
+                <a16:creationId xmlns:a16="http://schemas.microsoft.com/office/drawing/2014/main" id="{9E6A79D1-CD42-42D9-B9B2-68FFA08B4AA2}"/>
+              </a:ext>
+            </a:extLst>
+          </p:cNvPr>
+          <p:cNvSpPr txBox="1"/>
+          <p:nvPr/>
+        </p:nvSpPr>
+        <p:spPr>
+          <a:xfrm>
+            <a:off x="932269" y="5940549"/>
+            <a:ext cx="7253909" cy="369332"/>
+          </a:xfrm>
+          <a:prstGeom prst="rect">
+            <a:avLst/>
+          </a:prstGeom>
+          <a:noFill/>
+          <a:ln>
+            <a:solidFill>
+              <a:schemeClr val="tx1"/>
+            </a:solidFill>
+          </a:ln>
+        </p:spPr>
+        <p:txBody>
+          <a:bodyPr wrap="none" rtlCol="0">
+            <a:spAutoFit/>
+          </a:bodyPr>
+          <a:lstStyle/>
+          <a:p>
+            <a:r>
+              <a:rPr lang="en-US" altLang="ko-KR" dirty="0">
+                <a:latin typeface="HY중고딕" panose="02030600000101010101" pitchFamily="18" charset="-127"/>
+                <a:ea typeface="HY중고딕" panose="02030600000101010101" pitchFamily="18" charset="-127"/>
+              </a:rPr>
+              <a:t>sleeper </a:t>
+            </a:r>
+            <a:r>
+              <a:rPr lang="en-US" altLang="ko-KR" dirty="0" err="1">
+                <a:latin typeface="HY중고딕" panose="02030600000101010101" pitchFamily="18" charset="-127"/>
+                <a:ea typeface="HY중고딕" panose="02030600000101010101" pitchFamily="18" charset="-127"/>
+              </a:rPr>
+              <a:t>func</a:t>
+            </a:r>
+            <a:r>
+              <a:rPr lang="en-US" altLang="ko-KR" dirty="0">
+                <a:latin typeface="HY중고딕" panose="02030600000101010101" pitchFamily="18" charset="-127"/>
+                <a:ea typeface="HY중고딕" panose="02030600000101010101" pitchFamily="18" charset="-127"/>
+              </a:rPr>
+              <a:t> woke up - exiting the program </a:t>
+            </a:r>
+            <a:r>
+              <a:rPr lang="ko-KR" altLang="en-US" dirty="0">
+                <a:latin typeface="HY중고딕" panose="02030600000101010101" pitchFamily="18" charset="-127"/>
+                <a:ea typeface="HY중고딕" panose="02030600000101010101" pitchFamily="18" charset="-127"/>
+              </a:rPr>
+              <a:t>문장과 함께 종료됨</a:t>
+            </a:r>
+            <a:r>
+              <a:rPr lang="en-US" altLang="ko-KR" dirty="0">
+                <a:latin typeface="HY중고딕" panose="02030600000101010101" pitchFamily="18" charset="-127"/>
+                <a:ea typeface="HY중고딕" panose="02030600000101010101" pitchFamily="18" charset="-127"/>
+              </a:rPr>
+              <a:t>.</a:t>
+            </a:r>
+            <a:endParaRPr lang="ko-KR" altLang="en-US" dirty="0"/>
+          </a:p>
+        </p:txBody>
+      </p:sp>
+      <p:sp>
+        <p:nvSpPr>
+          <p:cNvPr id="31" name="아래쪽 화살표 44">
+            <a:extLst>
+              <a:ext uri="{FF2B5EF4-FFF2-40B4-BE49-F238E27FC236}">
+                <a16:creationId xmlns:a16="http://schemas.microsoft.com/office/drawing/2014/main" id="{A6EE1ED0-BBCA-444C-BF3C-761CCC08E32C}"/>
+              </a:ext>
+            </a:extLst>
+          </p:cNvPr>
+          <p:cNvSpPr/>
+          <p:nvPr/>
+        </p:nvSpPr>
+        <p:spPr>
+          <a:xfrm>
+            <a:off x="3528157" y="5624934"/>
+            <a:ext cx="2088232" cy="243607"/>
+          </a:xfrm>
+          <a:prstGeom prst="downArrow">
+            <a:avLst/>
+          </a:prstGeom>
+          <a:ln w="3175">
+            <a:solidFill>
+              <a:schemeClr val="tx1"/>
+            </a:solidFill>
+          </a:ln>
+        </p:spPr>
+        <p:style>
+          <a:lnRef idx="2">
+            <a:schemeClr val="accent6"/>
+          </a:lnRef>
+          <a:fillRef idx="1">
+            <a:schemeClr val="lt1"/>
+          </a:fillRef>
+          <a:effectRef idx="0">
+            <a:schemeClr val="accent6"/>
+          </a:effectRef>
+          <a:fontRef idx="minor">
+            <a:schemeClr val="dk1"/>
+          </a:fontRef>
+        </p:style>
+        <p:txBody>
+          <a:bodyPr rtlCol="0" anchor="ctr"/>
+          <a:lstStyle/>
+          <a:p>
+            <a:pPr algn="ctr"/>
+            <a:endParaRPr lang="ko-KR" altLang="en-US"/>
+          </a:p>
+        </p:txBody>
+      </p:sp>
+    </p:spTree>
+    <p:extLst>
+      <p:ext uri="{BB962C8B-B14F-4D97-AF65-F5344CB8AC3E}">
+        <p14:creationId xmlns:p14="http://schemas.microsoft.com/office/powerpoint/2010/main" val="2696543933"/>
       </p:ext>
     </p:extLst>
   </p:cSld>
